--- a/Prezentace2.pptx
+++ b/Prezentace2.pptx
@@ -111,6 +111,11 @@
       </a:defRPr>
     </a:lvl9pPr>
   </p:defaultTextStyle>
+  <p:extLst>
+    <p:ext uri="{EFAFB233-063F-42B5-8137-9DF3F51BA10A}">
+      <p15:sldGuideLst xmlns:p15="http://schemas.microsoft.com/office/powerpoint/2012/main"/>
+    </p:ext>
+  </p:extLst>
 </p:presentation>
 </file>
 
@@ -261,7 +266,7 @@
           <a:p>
             <a:fld id="{8769D389-4C4C-4FD7-9E6B-9F44477F0EB8}" type="datetime1">
               <a:rPr lang="en-US" smtClean="0"/>
-              <a:t>5/6/24</a:t>
+              <a:t>5/6/2024</a:t>
             </a:fld>
             <a:endParaRPr lang="en-US" dirty="0"/>
           </a:p>
@@ -460,7 +465,7 @@
           <a:p>
             <a:fld id="{8769D389-4C4C-4FD7-9E6B-9F44477F0EB8}" type="datetime1">
               <a:rPr lang="en-US" smtClean="0"/>
-              <a:t>5/6/24</a:t>
+              <a:t>5/6/2024</a:t>
             </a:fld>
             <a:endParaRPr lang="en-US" dirty="0"/>
           </a:p>
@@ -669,7 +674,7 @@
           <a:p>
             <a:fld id="{8769D389-4C4C-4FD7-9E6B-9F44477F0EB8}" type="datetime1">
               <a:rPr lang="en-US" smtClean="0"/>
-              <a:t>5/6/24</a:t>
+              <a:t>5/6/2024</a:t>
             </a:fld>
             <a:endParaRPr lang="en-US" dirty="0"/>
           </a:p>
@@ -868,7 +873,7 @@
           <a:p>
             <a:fld id="{8769D389-4C4C-4FD7-9E6B-9F44477F0EB8}" type="datetime1">
               <a:rPr lang="en-US" smtClean="0"/>
-              <a:t>5/6/24</a:t>
+              <a:t>5/6/2024</a:t>
             </a:fld>
             <a:endParaRPr lang="en-US" dirty="0"/>
           </a:p>
@@ -1144,7 +1149,7 @@
           <a:p>
             <a:fld id="{8769D389-4C4C-4FD7-9E6B-9F44477F0EB8}" type="datetime1">
               <a:rPr lang="en-US" smtClean="0"/>
-              <a:t>5/6/24</a:t>
+              <a:t>5/6/2024</a:t>
             </a:fld>
             <a:endParaRPr lang="en-US" dirty="0"/>
           </a:p>
@@ -1410,7 +1415,7 @@
           <a:p>
             <a:fld id="{8769D389-4C4C-4FD7-9E6B-9F44477F0EB8}" type="datetime1">
               <a:rPr lang="en-US" smtClean="0"/>
-              <a:t>5/6/24</a:t>
+              <a:t>5/6/2024</a:t>
             </a:fld>
             <a:endParaRPr lang="en-US" dirty="0"/>
           </a:p>
@@ -1823,7 +1828,7 @@
           <a:p>
             <a:fld id="{8769D389-4C4C-4FD7-9E6B-9F44477F0EB8}" type="datetime1">
               <a:rPr lang="en-US" smtClean="0"/>
-              <a:t>5/6/24</a:t>
+              <a:t>5/6/2024</a:t>
             </a:fld>
             <a:endParaRPr lang="en-US" dirty="0"/>
           </a:p>
@@ -1965,7 +1970,7 @@
           <a:p>
             <a:fld id="{8769D389-4C4C-4FD7-9E6B-9F44477F0EB8}" type="datetime1">
               <a:rPr lang="en-US" smtClean="0"/>
-              <a:t>5/6/24</a:t>
+              <a:t>5/6/2024</a:t>
             </a:fld>
             <a:endParaRPr lang="en-US" dirty="0"/>
           </a:p>
@@ -2079,7 +2084,7 @@
           <a:p>
             <a:fld id="{8769D389-4C4C-4FD7-9E6B-9F44477F0EB8}" type="datetime1">
               <a:rPr lang="en-US" smtClean="0"/>
-              <a:t>5/6/24</a:t>
+              <a:t>5/6/2024</a:t>
             </a:fld>
             <a:endParaRPr lang="en-US" dirty="0"/>
           </a:p>
@@ -2391,7 +2396,7 @@
           <a:p>
             <a:fld id="{8769D389-4C4C-4FD7-9E6B-9F44477F0EB8}" type="datetime1">
               <a:rPr lang="en-US" smtClean="0"/>
-              <a:t>5/6/24</a:t>
+              <a:t>5/6/2024</a:t>
             </a:fld>
             <a:endParaRPr lang="en-US" dirty="0"/>
           </a:p>
@@ -2680,7 +2685,7 @@
           <a:p>
             <a:fld id="{8769D389-4C4C-4FD7-9E6B-9F44477F0EB8}" type="datetime1">
               <a:rPr lang="en-US" smtClean="0"/>
-              <a:t>5/6/24</a:t>
+              <a:t>5/6/2024</a:t>
             </a:fld>
             <a:endParaRPr lang="en-US" dirty="0"/>
           </a:p>
@@ -2922,7 +2927,7 @@
           <a:p>
             <a:fld id="{8769D389-4C4C-4FD7-9E6B-9F44477F0EB8}" type="datetime1">
               <a:rPr lang="en-US" smtClean="0"/>
-              <a:t>5/6/24</a:t>
+              <a:t>5/6/2024</a:t>
             </a:fld>
             <a:endParaRPr lang="en-US" dirty="0"/>
           </a:p>
@@ -4377,13 +4382,13 @@
   <p:clrMapOvr>
     <a:masterClrMapping/>
   </p:clrMapOvr>
-  <mc:AlternateContent xmlns:mc="http://schemas.openxmlformats.org/markup-compatibility/2006">
-    <mc:Choice xmlns:p159="http://schemas.microsoft.com/office/powerpoint/2015/09/main" Requires="p159">
+  <mc:AlternateContent xmlns:mc="http://schemas.openxmlformats.org/markup-compatibility/2006" xmlns:p159="http://schemas.microsoft.com/office/powerpoint/2015/09/main">
+    <mc:Choice Requires="p159">
       <p:transition xmlns:p14="http://schemas.microsoft.com/office/powerpoint/2010/main" spd="slow" p14:dur="2000">
         <p159:morph option="byObject"/>
       </p:transition>
     </mc:Choice>
-    <mc:Fallback>
+    <mc:Fallback xmlns="">
       <p:transition spd="slow">
         <p:fade/>
       </p:transition>
@@ -4678,7 +4683,22 @@
           </a:bodyPr>
           <a:lstStyle/>
           <a:p>
-            <a:endParaRPr lang="cs-CZ" sz="2400"/>
+            <a:r>
+              <a:rPr lang="en-US" sz="2400" dirty="0" err="1"/>
+              <a:t>Videohry</a:t>
+            </a:r>
+            <a:endParaRPr lang="en-US" sz="2400" dirty="0"/>
+          </a:p>
+          <a:p>
+            <a:r>
+              <a:rPr lang="en-US" sz="2400" dirty="0"/>
+              <a:t>Um</a:t>
+            </a:r>
+            <a:r>
+              <a:rPr lang="cs-CZ" sz="2400" dirty="0" err="1"/>
+              <a:t>ění</a:t>
+            </a:r>
+            <a:endParaRPr lang="cs-CZ" sz="2400" dirty="0"/>
           </a:p>
         </p:txBody>
       </p:sp>
@@ -4692,13 +4712,13 @@
   <p:clrMapOvr>
     <a:masterClrMapping/>
   </p:clrMapOvr>
-  <mc:AlternateContent xmlns:mc="http://schemas.openxmlformats.org/markup-compatibility/2006">
-    <mc:Choice xmlns:p159="http://schemas.microsoft.com/office/powerpoint/2015/09/main" Requires="p159">
+  <mc:AlternateContent xmlns:mc="http://schemas.openxmlformats.org/markup-compatibility/2006" xmlns:p159="http://schemas.microsoft.com/office/powerpoint/2015/09/main">
+    <mc:Choice Requires="p159">
       <p:transition xmlns:p14="http://schemas.microsoft.com/office/powerpoint/2010/main" spd="slow" p14:dur="2000">
         <p159:morph option="byObject"/>
       </p:transition>
     </mc:Choice>
-    <mc:Fallback>
+    <mc:Fallback xmlns="">
       <p:transition spd="slow">
         <p:fade/>
       </p:transition>
@@ -5000,8 +5020,16 @@
           </a:p>
           <a:p>
             <a:r>
+              <a:rPr lang="en-US" sz="2400" dirty="0"/>
+              <a:t>H</a:t>
+            </a:r>
+            <a:r>
+              <a:rPr lang="cs-CZ" sz="2400" dirty="0" err="1"/>
+              <a:t>ry</a:t>
+            </a:r>
+            <a:r>
               <a:rPr lang="cs-CZ" sz="2400" dirty="0"/>
-              <a:t>Hry </a:t>
+              <a:t> </a:t>
             </a:r>
           </a:p>
           <a:p>
@@ -5031,13 +5059,13 @@
   <p:clrMapOvr>
     <a:masterClrMapping/>
   </p:clrMapOvr>
-  <mc:AlternateContent xmlns:mc="http://schemas.openxmlformats.org/markup-compatibility/2006">
-    <mc:Choice xmlns:p159="http://schemas.microsoft.com/office/powerpoint/2015/09/main" Requires="p159">
+  <mc:AlternateContent xmlns:mc="http://schemas.openxmlformats.org/markup-compatibility/2006" xmlns:p159="http://schemas.microsoft.com/office/powerpoint/2015/09/main">
+    <mc:Choice Requires="p159">
       <p:transition xmlns:p14="http://schemas.microsoft.com/office/powerpoint/2010/main" spd="slow" p14:dur="2000">
         <p159:morph option="byObject"/>
       </p:transition>
     </mc:Choice>
-    <mc:Fallback>
+    <mc:Fallback xmlns="">
       <p:transition spd="slow">
         <p:fade/>
       </p:transition>
@@ -5367,13 +5395,13 @@
   <p:clrMapOvr>
     <a:masterClrMapping/>
   </p:clrMapOvr>
-  <mc:AlternateContent xmlns:mc="http://schemas.openxmlformats.org/markup-compatibility/2006">
-    <mc:Choice xmlns:p159="http://schemas.microsoft.com/office/powerpoint/2015/09/main" Requires="p159">
+  <mc:AlternateContent xmlns:mc="http://schemas.openxmlformats.org/markup-compatibility/2006" xmlns:p159="http://schemas.microsoft.com/office/powerpoint/2015/09/main">
+    <mc:Choice Requires="p159">
       <p:transition xmlns:p14="http://schemas.microsoft.com/office/powerpoint/2010/main" spd="slow" p14:dur="2000">
         <p159:morph option="byObject"/>
       </p:transition>
     </mc:Choice>
-    <mc:Fallback>
+    <mc:Fallback xmlns="">
       <p:transition spd="slow">
         <p:fade/>
       </p:transition>
@@ -5682,13 +5710,13 @@
   <p:clrMapOvr>
     <a:masterClrMapping/>
   </p:clrMapOvr>
-  <mc:AlternateContent xmlns:mc="http://schemas.openxmlformats.org/markup-compatibility/2006">
-    <mc:Choice xmlns:p159="http://schemas.microsoft.com/office/powerpoint/2015/09/main" Requires="p159">
+  <mc:AlternateContent xmlns:mc="http://schemas.openxmlformats.org/markup-compatibility/2006" xmlns:p159="http://schemas.microsoft.com/office/powerpoint/2015/09/main">
+    <mc:Choice Requires="p159">
       <p:transition xmlns:p14="http://schemas.microsoft.com/office/powerpoint/2010/main" spd="slow" p14:dur="2000">
         <p159:morph option="byObject"/>
       </p:transition>
     </mc:Choice>
-    <mc:Fallback>
+    <mc:Fallback xmlns="">
       <p:transition spd="slow">
         <p:fade/>
       </p:transition>
@@ -5997,13 +6025,13 @@
   <p:clrMapOvr>
     <a:masterClrMapping/>
   </p:clrMapOvr>
-  <mc:AlternateContent xmlns:mc="http://schemas.openxmlformats.org/markup-compatibility/2006">
-    <mc:Choice xmlns:p159="http://schemas.microsoft.com/office/powerpoint/2015/09/main" Requires="p159">
+  <mc:AlternateContent xmlns:mc="http://schemas.openxmlformats.org/markup-compatibility/2006" xmlns:p159="http://schemas.microsoft.com/office/powerpoint/2015/09/main">
+    <mc:Choice Requires="p159">
       <p:transition xmlns:p14="http://schemas.microsoft.com/office/powerpoint/2010/main" spd="slow" p14:dur="2000">
         <p159:morph option="byObject"/>
       </p:transition>
     </mc:Choice>
-    <mc:Fallback>
+    <mc:Fallback xmlns="">
       <p:transition spd="slow">
         <p:fade/>
       </p:transition>
